--- a/PostgreSQL Course/Course Sessions/Session 3/Session 3 notes.pptx
+++ b/PostgreSQL Course/Course Sessions/Session 3/Session 3 notes.pptx
@@ -412,7 +412,7 @@
           <a:p>
             <a:fld id="{7FC2BD88-3666-4FA6-937B-92427D0F055B}" type="datetimeFigureOut">
               <a:rPr lang="en-US" smtClean="0"/>
-              <a:t>12/2/2024</a:t>
+              <a:t>12/8/2024</a:t>
             </a:fld>
             <a:endParaRPr lang="en-US"/>
           </a:p>
@@ -620,7 +620,7 @@
           <a:p>
             <a:fld id="{7FC2BD88-3666-4FA6-937B-92427D0F055B}" type="datetimeFigureOut">
               <a:rPr lang="en-US" smtClean="0"/>
-              <a:t>12/2/2024</a:t>
+              <a:t>12/8/2024</a:t>
             </a:fld>
             <a:endParaRPr lang="en-US"/>
           </a:p>
@@ -876,7 +876,7 @@
           <a:p>
             <a:fld id="{7FC2BD88-3666-4FA6-937B-92427D0F055B}" type="datetimeFigureOut">
               <a:rPr lang="en-US" smtClean="0"/>
-              <a:t>12/2/2024</a:t>
+              <a:t>12/8/2024</a:t>
             </a:fld>
             <a:endParaRPr lang="en-US"/>
           </a:p>
@@ -1050,7 +1050,7 @@
           <a:p>
             <a:fld id="{7FC2BD88-3666-4FA6-937B-92427D0F055B}" type="datetimeFigureOut">
               <a:rPr lang="en-US" smtClean="0"/>
-              <a:t>12/2/2024</a:t>
+              <a:t>12/8/2024</a:t>
             </a:fld>
             <a:endParaRPr lang="en-US"/>
           </a:p>
@@ -1393,7 +1393,7 @@
           <a:p>
             <a:fld id="{7FC2BD88-3666-4FA6-937B-92427D0F055B}" type="datetimeFigureOut">
               <a:rPr lang="en-US" smtClean="0"/>
-              <a:t>12/2/2024</a:t>
+              <a:t>12/8/2024</a:t>
             </a:fld>
             <a:endParaRPr lang="en-US"/>
           </a:p>
@@ -1668,7 +1668,7 @@
           <a:p>
             <a:fld id="{7FC2BD88-3666-4FA6-937B-92427D0F055B}" type="datetimeFigureOut">
               <a:rPr lang="en-US" smtClean="0"/>
-              <a:t>12/2/2024</a:t>
+              <a:t>12/8/2024</a:t>
             </a:fld>
             <a:endParaRPr lang="en-US"/>
           </a:p>
@@ -2047,7 +2047,7 @@
           <a:p>
             <a:fld id="{7FC2BD88-3666-4FA6-937B-92427D0F055B}" type="datetimeFigureOut">
               <a:rPr lang="en-US" smtClean="0"/>
-              <a:t>12/2/2024</a:t>
+              <a:t>12/8/2024</a:t>
             </a:fld>
             <a:endParaRPr lang="en-US"/>
           </a:p>
@@ -2165,7 +2165,7 @@
           <a:p>
             <a:fld id="{7FC2BD88-3666-4FA6-937B-92427D0F055B}" type="datetimeFigureOut">
               <a:rPr lang="en-US" smtClean="0"/>
-              <a:t>12/2/2024</a:t>
+              <a:t>12/8/2024</a:t>
             </a:fld>
             <a:endParaRPr lang="en-US"/>
           </a:p>
@@ -2336,7 +2336,7 @@
           <a:p>
             <a:fld id="{7FC2BD88-3666-4FA6-937B-92427D0F055B}" type="datetimeFigureOut">
               <a:rPr lang="en-US" smtClean="0"/>
-              <a:t>12/2/2024</a:t>
+              <a:t>12/8/2024</a:t>
             </a:fld>
             <a:endParaRPr lang="en-US"/>
           </a:p>
@@ -2690,7 +2690,7 @@
           <a:p>
             <a:fld id="{7FC2BD88-3666-4FA6-937B-92427D0F055B}" type="datetimeFigureOut">
               <a:rPr lang="en-US" smtClean="0"/>
-              <a:t>12/2/2024</a:t>
+              <a:t>12/8/2024</a:t>
             </a:fld>
             <a:endParaRPr lang="en-US"/>
           </a:p>
@@ -3072,7 +3072,7 @@
           <a:p>
             <a:fld id="{7FC2BD88-3666-4FA6-937B-92427D0F055B}" type="datetimeFigureOut">
               <a:rPr lang="en-US" smtClean="0"/>
-              <a:t>12/2/2024</a:t>
+              <a:t>12/8/2024</a:t>
             </a:fld>
             <a:endParaRPr lang="en-US"/>
           </a:p>
@@ -3359,7 +3359,7 @@
           <a:p>
             <a:fld id="{7FC2BD88-3666-4FA6-937B-92427D0F055B}" type="datetimeFigureOut">
               <a:rPr lang="en-US" smtClean="0"/>
-              <a:t>12/2/2024</a:t>
+              <a:t>12/8/2024</a:t>
             </a:fld>
             <a:endParaRPr lang="en-US"/>
           </a:p>
@@ -4169,7 +4169,15 @@
             <a:pPr lvl="1"/>
             <a:r>
               <a:rPr lang="en-US" dirty="0"/>
-              <a:t>apt list --installed</a:t>
+              <a:t>apt list --installed ~ </a:t>
+            </a:r>
+            <a:r>
+              <a:rPr lang="en-US" dirty="0" err="1"/>
+              <a:t>dpkg</a:t>
+            </a:r>
+            <a:r>
+              <a:rPr lang="en-US" dirty="0"/>
+              <a:t>-query --list</a:t>
             </a:r>
           </a:p>
         </p:txBody>
